--- a/draft.pptx
+++ b/draft.pptx
@@ -6,6 +6,7 @@
   </p:sldMasterIdLst>
   <p:sldIdLst>
     <p:sldId id="256" r:id="rId2"/>
+    <p:sldId id="257" r:id="rId3"/>
   </p:sldIdLst>
   <p:sldSz cx="12192000" cy="6858000"/>
   <p:notesSz cx="6858000" cy="9144000"/>
@@ -104,6 +105,11 @@
       </a:defRPr>
     </a:lvl9pPr>
   </p:defaultTextStyle>
+  <p:extLst>
+    <p:ext uri="{EFAFB233-063F-42B5-8137-9DF3F51BA10A}">
+      <p15:sldGuideLst xmlns:p15="http://schemas.microsoft.com/office/powerpoint/2012/main"/>
+    </p:ext>
+  </p:extLst>
 </p:presentation>
 </file>
 
@@ -238,7 +244,7 @@
           <a:p>
             <a:fld id="{5EA17E09-FFF9-4A2B-81F6-522449A467EA}" type="datetimeFigureOut">
               <a:rPr lang="zh-CN" altLang="en-US" smtClean="0"/>
-              <a:t>2023/2/21</a:t>
+              <a:t>2023/2/26</a:t>
             </a:fld>
             <a:endParaRPr lang="zh-CN" altLang="en-US"/>
           </a:p>
@@ -408,7 +414,7 @@
           <a:p>
             <a:fld id="{5EA17E09-FFF9-4A2B-81F6-522449A467EA}" type="datetimeFigureOut">
               <a:rPr lang="zh-CN" altLang="en-US" smtClean="0"/>
-              <a:t>2023/2/21</a:t>
+              <a:t>2023/2/26</a:t>
             </a:fld>
             <a:endParaRPr lang="zh-CN" altLang="en-US"/>
           </a:p>
@@ -588,7 +594,7 @@
           <a:p>
             <a:fld id="{5EA17E09-FFF9-4A2B-81F6-522449A467EA}" type="datetimeFigureOut">
               <a:rPr lang="zh-CN" altLang="en-US" smtClean="0"/>
-              <a:t>2023/2/21</a:t>
+              <a:t>2023/2/26</a:t>
             </a:fld>
             <a:endParaRPr lang="zh-CN" altLang="en-US"/>
           </a:p>
@@ -758,7 +764,7 @@
           <a:p>
             <a:fld id="{5EA17E09-FFF9-4A2B-81F6-522449A467EA}" type="datetimeFigureOut">
               <a:rPr lang="zh-CN" altLang="en-US" smtClean="0"/>
-              <a:t>2023/2/21</a:t>
+              <a:t>2023/2/26</a:t>
             </a:fld>
             <a:endParaRPr lang="zh-CN" altLang="en-US"/>
           </a:p>
@@ -1004,7 +1010,7 @@
           <a:p>
             <a:fld id="{5EA17E09-FFF9-4A2B-81F6-522449A467EA}" type="datetimeFigureOut">
               <a:rPr lang="zh-CN" altLang="en-US" smtClean="0"/>
-              <a:t>2023/2/21</a:t>
+              <a:t>2023/2/26</a:t>
             </a:fld>
             <a:endParaRPr lang="zh-CN" altLang="en-US"/>
           </a:p>
@@ -1236,7 +1242,7 @@
           <a:p>
             <a:fld id="{5EA17E09-FFF9-4A2B-81F6-522449A467EA}" type="datetimeFigureOut">
               <a:rPr lang="zh-CN" altLang="en-US" smtClean="0"/>
-              <a:t>2023/2/21</a:t>
+              <a:t>2023/2/26</a:t>
             </a:fld>
             <a:endParaRPr lang="zh-CN" altLang="en-US"/>
           </a:p>
@@ -1603,7 +1609,7 @@
           <a:p>
             <a:fld id="{5EA17E09-FFF9-4A2B-81F6-522449A467EA}" type="datetimeFigureOut">
               <a:rPr lang="zh-CN" altLang="en-US" smtClean="0"/>
-              <a:t>2023/2/21</a:t>
+              <a:t>2023/2/26</a:t>
             </a:fld>
             <a:endParaRPr lang="zh-CN" altLang="en-US"/>
           </a:p>
@@ -1721,7 +1727,7 @@
           <a:p>
             <a:fld id="{5EA17E09-FFF9-4A2B-81F6-522449A467EA}" type="datetimeFigureOut">
               <a:rPr lang="zh-CN" altLang="en-US" smtClean="0"/>
-              <a:t>2023/2/21</a:t>
+              <a:t>2023/2/26</a:t>
             </a:fld>
             <a:endParaRPr lang="zh-CN" altLang="en-US"/>
           </a:p>
@@ -1816,7 +1822,7 @@
           <a:p>
             <a:fld id="{5EA17E09-FFF9-4A2B-81F6-522449A467EA}" type="datetimeFigureOut">
               <a:rPr lang="zh-CN" altLang="en-US" smtClean="0"/>
-              <a:t>2023/2/21</a:t>
+              <a:t>2023/2/26</a:t>
             </a:fld>
             <a:endParaRPr lang="zh-CN" altLang="en-US"/>
           </a:p>
@@ -2093,7 +2099,7 @@
           <a:p>
             <a:fld id="{5EA17E09-FFF9-4A2B-81F6-522449A467EA}" type="datetimeFigureOut">
               <a:rPr lang="zh-CN" altLang="en-US" smtClean="0"/>
-              <a:t>2023/2/21</a:t>
+              <a:t>2023/2/26</a:t>
             </a:fld>
             <a:endParaRPr lang="zh-CN" altLang="en-US"/>
           </a:p>
@@ -2346,7 +2352,7 @@
           <a:p>
             <a:fld id="{5EA17E09-FFF9-4A2B-81F6-522449A467EA}" type="datetimeFigureOut">
               <a:rPr lang="zh-CN" altLang="en-US" smtClean="0"/>
-              <a:t>2023/2/21</a:t>
+              <a:t>2023/2/26</a:t>
             </a:fld>
             <a:endParaRPr lang="zh-CN" altLang="en-US"/>
           </a:p>
@@ -2559,7 +2565,7 @@
           <a:p>
             <a:fld id="{5EA17E09-FFF9-4A2B-81F6-522449A467EA}" type="datetimeFigureOut">
               <a:rPr lang="zh-CN" altLang="en-US" smtClean="0"/>
-              <a:t>2023/2/21</a:t>
+              <a:t>2023/2/26</a:t>
             </a:fld>
             <a:endParaRPr lang="zh-CN" altLang="en-US"/>
           </a:p>
@@ -3789,6 +3795,249 @@
 </p:sld>
 </file>
 
+<file path=ppt/slides/slide2.xml><?xml version="1.0" encoding="utf-8"?>
+<p:sld xmlns:a="http://schemas.openxmlformats.org/drawingml/2006/main" xmlns:r="http://schemas.openxmlformats.org/officeDocument/2006/relationships" xmlns:p="http://schemas.openxmlformats.org/presentationml/2006/main">
+  <p:cSld>
+    <p:spTree>
+      <p:nvGrpSpPr>
+        <p:cNvPr id="1" name=""/>
+        <p:cNvGrpSpPr/>
+        <p:nvPr/>
+      </p:nvGrpSpPr>
+      <p:grpSpPr>
+        <a:xfrm>
+          <a:off x="0" y="0"/>
+          <a:ext cx="0" cy="0"/>
+          <a:chOff x="0" y="0"/>
+          <a:chExt cx="0" cy="0"/>
+        </a:xfrm>
+      </p:grpSpPr>
+      <p:grpSp>
+        <p:nvGrpSpPr>
+          <p:cNvPr id="11" name="组合 10"/>
+          <p:cNvGrpSpPr/>
+          <p:nvPr/>
+        </p:nvGrpSpPr>
+        <p:grpSpPr>
+          <a:xfrm>
+            <a:off x="1837591" y="680070"/>
+            <a:ext cx="3686690" cy="5046820"/>
+            <a:chOff x="351691" y="838332"/>
+            <a:chExt cx="3686690" cy="5046820"/>
+          </a:xfrm>
+        </p:grpSpPr>
+        <p:pic>
+          <p:nvPicPr>
+            <p:cNvPr id="5" name="图片 4"/>
+            <p:cNvPicPr>
+              <a:picLocks noChangeAspect="1"/>
+            </p:cNvPicPr>
+            <p:nvPr/>
+          </p:nvPicPr>
+          <p:blipFill rotWithShape="1">
+            <a:blip r:embed="rId2"/>
+            <a:srcRect b="86335"/>
+            <a:stretch/>
+          </p:blipFill>
+          <p:spPr>
+            <a:xfrm>
+              <a:off x="351692" y="838332"/>
+              <a:ext cx="3686689" cy="1088259"/>
+            </a:xfrm>
+            <a:prstGeom prst="rect">
+              <a:avLst/>
+            </a:prstGeom>
+          </p:spPr>
+        </p:pic>
+        <p:pic>
+          <p:nvPicPr>
+            <p:cNvPr id="6" name="图片 5"/>
+            <p:cNvPicPr>
+              <a:picLocks noChangeAspect="1"/>
+            </p:cNvPicPr>
+            <p:nvPr/>
+          </p:nvPicPr>
+          <p:blipFill rotWithShape="1">
+            <a:blip r:embed="rId2"/>
+            <a:srcRect t="36199" b="31563"/>
+            <a:stretch/>
+          </p:blipFill>
+          <p:spPr>
+            <a:xfrm>
+              <a:off x="351692" y="1926591"/>
+              <a:ext cx="3686689" cy="2567353"/>
+            </a:xfrm>
+            <a:prstGeom prst="rect">
+              <a:avLst/>
+            </a:prstGeom>
+          </p:spPr>
+        </p:pic>
+        <p:pic>
+          <p:nvPicPr>
+            <p:cNvPr id="7" name="图片 6"/>
+            <p:cNvPicPr>
+              <a:picLocks noChangeAspect="1"/>
+            </p:cNvPicPr>
+            <p:nvPr/>
+          </p:nvPicPr>
+          <p:blipFill rotWithShape="1">
+            <a:blip r:embed="rId2"/>
+            <a:srcRect t="72693"/>
+            <a:stretch/>
+          </p:blipFill>
+          <p:spPr>
+            <a:xfrm>
+              <a:off x="351691" y="3710353"/>
+              <a:ext cx="3686689" cy="2174799"/>
+            </a:xfrm>
+            <a:prstGeom prst="rect">
+              <a:avLst/>
+            </a:prstGeom>
+          </p:spPr>
+        </p:pic>
+      </p:grpSp>
+      <p:grpSp>
+        <p:nvGrpSpPr>
+          <p:cNvPr id="10" name="组合 9"/>
+          <p:cNvGrpSpPr/>
+          <p:nvPr/>
+        </p:nvGrpSpPr>
+        <p:grpSpPr>
+          <a:xfrm>
+            <a:off x="6222023" y="306395"/>
+            <a:ext cx="4582164" cy="5753865"/>
+            <a:chOff x="4419600" y="376733"/>
+            <a:chExt cx="4582164" cy="5753865"/>
+          </a:xfrm>
+        </p:grpSpPr>
+        <p:pic>
+          <p:nvPicPr>
+            <p:cNvPr id="4" name="图片 3"/>
+            <p:cNvPicPr>
+              <a:picLocks noChangeAspect="1"/>
+            </p:cNvPicPr>
+            <p:nvPr/>
+          </p:nvPicPr>
+          <p:blipFill rotWithShape="1">
+            <a:blip r:embed="rId3"/>
+            <a:srcRect t="67571"/>
+            <a:stretch/>
+          </p:blipFill>
+          <p:spPr>
+            <a:xfrm>
+              <a:off x="4419600" y="3649923"/>
+              <a:ext cx="4582164" cy="2480675"/>
+            </a:xfrm>
+            <a:prstGeom prst="rect">
+              <a:avLst/>
+            </a:prstGeom>
+          </p:spPr>
+        </p:pic>
+        <p:pic>
+          <p:nvPicPr>
+            <p:cNvPr id="8" name="图片 7"/>
+            <p:cNvPicPr>
+              <a:picLocks noChangeAspect="1"/>
+            </p:cNvPicPr>
+            <p:nvPr/>
+          </p:nvPicPr>
+          <p:blipFill rotWithShape="1">
+            <a:blip r:embed="rId3"/>
+            <a:srcRect t="31150" b="36782"/>
+            <a:stretch/>
+          </p:blipFill>
+          <p:spPr>
+            <a:xfrm>
+              <a:off x="4419600" y="1855178"/>
+              <a:ext cx="4582164" cy="2453054"/>
+            </a:xfrm>
+            <a:prstGeom prst="rect">
+              <a:avLst/>
+            </a:prstGeom>
+          </p:spPr>
+        </p:pic>
+        <p:pic>
+          <p:nvPicPr>
+            <p:cNvPr id="9" name="图片 8"/>
+            <p:cNvPicPr>
+              <a:picLocks noChangeAspect="1"/>
+            </p:cNvPicPr>
+            <p:nvPr/>
+          </p:nvPicPr>
+          <p:blipFill rotWithShape="1">
+            <a:blip r:embed="rId3"/>
+            <a:srcRect b="75774"/>
+            <a:stretch/>
+          </p:blipFill>
+          <p:spPr>
+            <a:xfrm>
+              <a:off x="4419600" y="376733"/>
+              <a:ext cx="4582164" cy="1853193"/>
+            </a:xfrm>
+            <a:prstGeom prst="rect">
+              <a:avLst/>
+            </a:prstGeom>
+          </p:spPr>
+        </p:pic>
+      </p:grpSp>
+      <p:sp>
+        <p:nvSpPr>
+          <p:cNvPr id="12" name="矩形 11"/>
+          <p:cNvSpPr/>
+          <p:nvPr/>
+        </p:nvSpPr>
+        <p:spPr>
+          <a:xfrm>
+            <a:off x="6522720" y="419100"/>
+            <a:ext cx="1638300" cy="5151120"/>
+          </a:xfrm>
+          <a:prstGeom prst="rect">
+            <a:avLst/>
+          </a:prstGeom>
+          <a:noFill/>
+          <a:ln w="15875" cap="rnd">
+            <a:miter lim="800000"/>
+          </a:ln>
+          <a:effectLst/>
+        </p:spPr>
+        <p:style>
+          <a:lnRef idx="2">
+            <a:schemeClr val="accent1">
+              <a:shade val="50000"/>
+            </a:schemeClr>
+          </a:lnRef>
+          <a:fillRef idx="1">
+            <a:schemeClr val="accent1"/>
+          </a:fillRef>
+          <a:effectRef idx="0">
+            <a:schemeClr val="accent1"/>
+          </a:effectRef>
+          <a:fontRef idx="minor">
+            <a:schemeClr val="lt1"/>
+          </a:fontRef>
+        </p:style>
+        <p:txBody>
+          <a:bodyPr rtlCol="0" anchor="ctr"/>
+          <a:lstStyle/>
+          <a:p>
+            <a:pPr algn="ctr"/>
+            <a:endParaRPr lang="zh-CN" altLang="en-US"/>
+          </a:p>
+        </p:txBody>
+      </p:sp>
+    </p:spTree>
+    <p:extLst>
+      <p:ext uri="{BB962C8B-B14F-4D97-AF65-F5344CB8AC3E}">
+        <p14:creationId xmlns:p14="http://schemas.microsoft.com/office/powerpoint/2010/main" val="1824848002"/>
+      </p:ext>
+    </p:extLst>
+  </p:cSld>
+  <p:clrMapOvr>
+    <a:masterClrMapping/>
+  </p:clrMapOvr>
+</p:sld>
+</file>
+
 <file path=ppt/theme/theme1.xml><?xml version="1.0" encoding="utf-8"?>
 <a:theme xmlns:a="http://schemas.openxmlformats.org/drawingml/2006/main" name="Office 主题​​">
   <a:themeElements>

--- a/draft.pptx
+++ b/draft.pptx
@@ -7,6 +7,7 @@
   <p:sldIdLst>
     <p:sldId id="256" r:id="rId2"/>
     <p:sldId id="257" r:id="rId3"/>
+    <p:sldId id="258" r:id="rId4"/>
   </p:sldIdLst>
   <p:sldSz cx="12192000" cy="6858000"/>
   <p:notesSz cx="6858000" cy="9144000"/>
@@ -244,7 +245,7 @@
           <a:p>
             <a:fld id="{5EA17E09-FFF9-4A2B-81F6-522449A467EA}" type="datetimeFigureOut">
               <a:rPr lang="zh-CN" altLang="en-US" smtClean="0"/>
-              <a:t>2023/2/26</a:t>
+              <a:t>2023/3/5</a:t>
             </a:fld>
             <a:endParaRPr lang="zh-CN" altLang="en-US"/>
           </a:p>
@@ -414,7 +415,7 @@
           <a:p>
             <a:fld id="{5EA17E09-FFF9-4A2B-81F6-522449A467EA}" type="datetimeFigureOut">
               <a:rPr lang="zh-CN" altLang="en-US" smtClean="0"/>
-              <a:t>2023/2/26</a:t>
+              <a:t>2023/3/5</a:t>
             </a:fld>
             <a:endParaRPr lang="zh-CN" altLang="en-US"/>
           </a:p>
@@ -594,7 +595,7 @@
           <a:p>
             <a:fld id="{5EA17E09-FFF9-4A2B-81F6-522449A467EA}" type="datetimeFigureOut">
               <a:rPr lang="zh-CN" altLang="en-US" smtClean="0"/>
-              <a:t>2023/2/26</a:t>
+              <a:t>2023/3/5</a:t>
             </a:fld>
             <a:endParaRPr lang="zh-CN" altLang="en-US"/>
           </a:p>
@@ -764,7 +765,7 @@
           <a:p>
             <a:fld id="{5EA17E09-FFF9-4A2B-81F6-522449A467EA}" type="datetimeFigureOut">
               <a:rPr lang="zh-CN" altLang="en-US" smtClean="0"/>
-              <a:t>2023/2/26</a:t>
+              <a:t>2023/3/5</a:t>
             </a:fld>
             <a:endParaRPr lang="zh-CN" altLang="en-US"/>
           </a:p>
@@ -1010,7 +1011,7 @@
           <a:p>
             <a:fld id="{5EA17E09-FFF9-4A2B-81F6-522449A467EA}" type="datetimeFigureOut">
               <a:rPr lang="zh-CN" altLang="en-US" smtClean="0"/>
-              <a:t>2023/2/26</a:t>
+              <a:t>2023/3/5</a:t>
             </a:fld>
             <a:endParaRPr lang="zh-CN" altLang="en-US"/>
           </a:p>
@@ -1242,7 +1243,7 @@
           <a:p>
             <a:fld id="{5EA17E09-FFF9-4A2B-81F6-522449A467EA}" type="datetimeFigureOut">
               <a:rPr lang="zh-CN" altLang="en-US" smtClean="0"/>
-              <a:t>2023/2/26</a:t>
+              <a:t>2023/3/5</a:t>
             </a:fld>
             <a:endParaRPr lang="zh-CN" altLang="en-US"/>
           </a:p>
@@ -1609,7 +1610,7 @@
           <a:p>
             <a:fld id="{5EA17E09-FFF9-4A2B-81F6-522449A467EA}" type="datetimeFigureOut">
               <a:rPr lang="zh-CN" altLang="en-US" smtClean="0"/>
-              <a:t>2023/2/26</a:t>
+              <a:t>2023/3/5</a:t>
             </a:fld>
             <a:endParaRPr lang="zh-CN" altLang="en-US"/>
           </a:p>
@@ -1727,7 +1728,7 @@
           <a:p>
             <a:fld id="{5EA17E09-FFF9-4A2B-81F6-522449A467EA}" type="datetimeFigureOut">
               <a:rPr lang="zh-CN" altLang="en-US" smtClean="0"/>
-              <a:t>2023/2/26</a:t>
+              <a:t>2023/3/5</a:t>
             </a:fld>
             <a:endParaRPr lang="zh-CN" altLang="en-US"/>
           </a:p>
@@ -1822,7 +1823,7 @@
           <a:p>
             <a:fld id="{5EA17E09-FFF9-4A2B-81F6-522449A467EA}" type="datetimeFigureOut">
               <a:rPr lang="zh-CN" altLang="en-US" smtClean="0"/>
-              <a:t>2023/2/26</a:t>
+              <a:t>2023/3/5</a:t>
             </a:fld>
             <a:endParaRPr lang="zh-CN" altLang="en-US"/>
           </a:p>
@@ -2099,7 +2100,7 @@
           <a:p>
             <a:fld id="{5EA17E09-FFF9-4A2B-81F6-522449A467EA}" type="datetimeFigureOut">
               <a:rPr lang="zh-CN" altLang="en-US" smtClean="0"/>
-              <a:t>2023/2/26</a:t>
+              <a:t>2023/3/5</a:t>
             </a:fld>
             <a:endParaRPr lang="zh-CN" altLang="en-US"/>
           </a:p>
@@ -2352,7 +2353,7 @@
           <a:p>
             <a:fld id="{5EA17E09-FFF9-4A2B-81F6-522449A467EA}" type="datetimeFigureOut">
               <a:rPr lang="zh-CN" altLang="en-US" smtClean="0"/>
-              <a:t>2023/2/26</a:t>
+              <a:t>2023/3/5</a:t>
             </a:fld>
             <a:endParaRPr lang="zh-CN" altLang="en-US"/>
           </a:p>
@@ -2565,7 +2566,7 @@
           <a:p>
             <a:fld id="{5EA17E09-FFF9-4A2B-81F6-522449A467EA}" type="datetimeFigureOut">
               <a:rPr lang="zh-CN" altLang="en-US" smtClean="0"/>
-              <a:t>2023/2/26</a:t>
+              <a:t>2023/3/5</a:t>
             </a:fld>
             <a:endParaRPr lang="zh-CN" altLang="en-US"/>
           </a:p>
@@ -4038,6 +4039,1182 @@
 </p:sld>
 </file>
 
+<file path=ppt/slides/slide3.xml><?xml version="1.0" encoding="utf-8"?>
+<p:sld xmlns:a="http://schemas.openxmlformats.org/drawingml/2006/main" xmlns:r="http://schemas.openxmlformats.org/officeDocument/2006/relationships" xmlns:p="http://schemas.openxmlformats.org/presentationml/2006/main">
+  <p:cSld>
+    <p:spTree>
+      <p:nvGrpSpPr>
+        <p:cNvPr id="1" name=""/>
+        <p:cNvGrpSpPr/>
+        <p:nvPr/>
+      </p:nvGrpSpPr>
+      <p:grpSpPr>
+        <a:xfrm>
+          <a:off x="0" y="0"/>
+          <a:ext cx="0" cy="0"/>
+          <a:chOff x="0" y="0"/>
+          <a:chExt cx="0" cy="0"/>
+        </a:xfrm>
+      </p:grpSpPr>
+      <p:pic>
+        <p:nvPicPr>
+          <p:cNvPr id="6" name="图片 5"/>
+          <p:cNvPicPr>
+            <a:picLocks noChangeAspect="1"/>
+          </p:cNvPicPr>
+          <p:nvPr/>
+        </p:nvPicPr>
+        <p:blipFill>
+          <a:blip r:embed="rId2"/>
+          <a:stretch>
+            <a:fillRect/>
+          </a:stretch>
+        </p:blipFill>
+        <p:spPr>
+          <a:xfrm>
+            <a:off x="0" y="0"/>
+            <a:ext cx="856298" cy="666440"/>
+          </a:xfrm>
+          <a:prstGeom prst="rect">
+            <a:avLst/>
+          </a:prstGeom>
+        </p:spPr>
+      </p:pic>
+      <p:pic>
+        <p:nvPicPr>
+          <p:cNvPr id="7" name="图片 6"/>
+          <p:cNvPicPr>
+            <a:picLocks noChangeAspect="1"/>
+          </p:cNvPicPr>
+          <p:nvPr/>
+        </p:nvPicPr>
+        <p:blipFill>
+          <a:blip r:embed="rId3"/>
+          <a:stretch>
+            <a:fillRect/>
+          </a:stretch>
+        </p:blipFill>
+        <p:spPr>
+          <a:xfrm>
+            <a:off x="37939" y="1512334"/>
+            <a:ext cx="1049761" cy="837822"/>
+          </a:xfrm>
+          <a:prstGeom prst="rect">
+            <a:avLst/>
+          </a:prstGeom>
+        </p:spPr>
+      </p:pic>
+      <p:pic>
+        <p:nvPicPr>
+          <p:cNvPr id="9" name="图片 8"/>
+          <p:cNvPicPr>
+            <a:picLocks noChangeAspect="1"/>
+          </p:cNvPicPr>
+          <p:nvPr/>
+        </p:nvPicPr>
+        <p:blipFill>
+          <a:blip r:embed="rId4"/>
+          <a:stretch>
+            <a:fillRect/>
+          </a:stretch>
+        </p:blipFill>
+        <p:spPr>
+          <a:xfrm>
+            <a:off x="15298" y="3473437"/>
+            <a:ext cx="1252302" cy="924996"/>
+          </a:xfrm>
+          <a:prstGeom prst="rect">
+            <a:avLst/>
+          </a:prstGeom>
+        </p:spPr>
+      </p:pic>
+      <p:pic>
+        <p:nvPicPr>
+          <p:cNvPr id="10" name="图片 9"/>
+          <p:cNvPicPr>
+            <a:picLocks noChangeAspect="1"/>
+          </p:cNvPicPr>
+          <p:nvPr/>
+        </p:nvPicPr>
+        <p:blipFill>
+          <a:blip r:embed="rId5"/>
+          <a:stretch>
+            <a:fillRect/>
+          </a:stretch>
+        </p:blipFill>
+        <p:spPr>
+          <a:xfrm>
+            <a:off x="64348" y="5230434"/>
+            <a:ext cx="1023352" cy="898771"/>
+          </a:xfrm>
+          <a:prstGeom prst="rect">
+            <a:avLst/>
+          </a:prstGeom>
+        </p:spPr>
+      </p:pic>
+      <p:pic>
+        <p:nvPicPr>
+          <p:cNvPr id="11" name="图片 10"/>
+          <p:cNvPicPr>
+            <a:picLocks noChangeAspect="1"/>
+          </p:cNvPicPr>
+          <p:nvPr/>
+        </p:nvPicPr>
+        <p:blipFill>
+          <a:blip r:embed="rId6"/>
+          <a:stretch>
+            <a:fillRect/>
+          </a:stretch>
+        </p:blipFill>
+        <p:spPr>
+          <a:xfrm>
+            <a:off x="10897914" y="1808"/>
+            <a:ext cx="1294086" cy="1123811"/>
+          </a:xfrm>
+          <a:prstGeom prst="rect">
+            <a:avLst/>
+          </a:prstGeom>
+        </p:spPr>
+      </p:pic>
+      <p:pic>
+        <p:nvPicPr>
+          <p:cNvPr id="12" name="图片 11"/>
+          <p:cNvPicPr>
+            <a:picLocks noChangeAspect="1"/>
+          </p:cNvPicPr>
+          <p:nvPr/>
+        </p:nvPicPr>
+        <p:blipFill>
+          <a:blip r:embed="rId7"/>
+          <a:stretch>
+            <a:fillRect/>
+          </a:stretch>
+        </p:blipFill>
+        <p:spPr>
+          <a:xfrm>
+            <a:off x="178616" y="4492015"/>
+            <a:ext cx="936123" cy="842511"/>
+          </a:xfrm>
+          <a:prstGeom prst="rect">
+            <a:avLst/>
+          </a:prstGeom>
+        </p:spPr>
+      </p:pic>
+      <p:pic>
+        <p:nvPicPr>
+          <p:cNvPr id="13" name="图片 12"/>
+          <p:cNvPicPr>
+            <a:picLocks noChangeAspect="1"/>
+          </p:cNvPicPr>
+          <p:nvPr/>
+        </p:nvPicPr>
+        <p:blipFill>
+          <a:blip r:embed="rId8"/>
+          <a:stretch>
+            <a:fillRect/>
+          </a:stretch>
+        </p:blipFill>
+        <p:spPr>
+          <a:xfrm>
+            <a:off x="11246828" y="2652368"/>
+            <a:ext cx="596258" cy="770166"/>
+          </a:xfrm>
+          <a:prstGeom prst="rect">
+            <a:avLst/>
+          </a:prstGeom>
+        </p:spPr>
+      </p:pic>
+      <p:pic>
+        <p:nvPicPr>
+          <p:cNvPr id="14" name="图片 13"/>
+          <p:cNvPicPr>
+            <a:picLocks noChangeAspect="1"/>
+          </p:cNvPicPr>
+          <p:nvPr/>
+        </p:nvPicPr>
+        <p:blipFill>
+          <a:blip r:embed="rId9"/>
+          <a:stretch>
+            <a:fillRect/>
+          </a:stretch>
+        </p:blipFill>
+        <p:spPr>
+          <a:xfrm>
+            <a:off x="41137" y="2591244"/>
+            <a:ext cx="840181" cy="739359"/>
+          </a:xfrm>
+          <a:prstGeom prst="rect">
+            <a:avLst/>
+          </a:prstGeom>
+        </p:spPr>
+      </p:pic>
+      <p:pic>
+        <p:nvPicPr>
+          <p:cNvPr id="15" name="图片 14"/>
+          <p:cNvPicPr>
+            <a:picLocks noChangeAspect="1"/>
+          </p:cNvPicPr>
+          <p:nvPr/>
+        </p:nvPicPr>
+        <p:blipFill>
+          <a:blip r:embed="rId10"/>
+          <a:stretch>
+            <a:fillRect/>
+          </a:stretch>
+        </p:blipFill>
+        <p:spPr>
+          <a:xfrm>
+            <a:off x="11084858" y="1347583"/>
+            <a:ext cx="920198" cy="645623"/>
+          </a:xfrm>
+          <a:prstGeom prst="rect">
+            <a:avLst/>
+          </a:prstGeom>
+        </p:spPr>
+      </p:pic>
+      <p:pic>
+        <p:nvPicPr>
+          <p:cNvPr id="16" name="图片 15"/>
+          <p:cNvPicPr>
+            <a:picLocks noChangeAspect="1"/>
+          </p:cNvPicPr>
+          <p:nvPr/>
+        </p:nvPicPr>
+        <p:blipFill>
+          <a:blip r:embed="rId11"/>
+          <a:stretch>
+            <a:fillRect/>
+          </a:stretch>
+        </p:blipFill>
+        <p:spPr>
+          <a:xfrm>
+            <a:off x="4234806" y="2118413"/>
+            <a:ext cx="825761" cy="699233"/>
+          </a:xfrm>
+          <a:prstGeom prst="rect">
+            <a:avLst/>
+          </a:prstGeom>
+        </p:spPr>
+      </p:pic>
+      <p:pic>
+        <p:nvPicPr>
+          <p:cNvPr id="17" name="图片 16"/>
+          <p:cNvPicPr>
+            <a:picLocks noChangeAspect="1"/>
+          </p:cNvPicPr>
+          <p:nvPr/>
+        </p:nvPicPr>
+        <p:blipFill>
+          <a:blip r:embed="rId12"/>
+          <a:stretch>
+            <a:fillRect/>
+          </a:stretch>
+        </p:blipFill>
+        <p:spPr>
+          <a:xfrm>
+            <a:off x="4206380" y="727903"/>
+            <a:ext cx="854187" cy="845894"/>
+          </a:xfrm>
+          <a:prstGeom prst="rect">
+            <a:avLst/>
+          </a:prstGeom>
+        </p:spPr>
+      </p:pic>
+      <p:pic>
+        <p:nvPicPr>
+          <p:cNvPr id="18" name="图片 17"/>
+          <p:cNvPicPr>
+            <a:picLocks noChangeAspect="1"/>
+          </p:cNvPicPr>
+          <p:nvPr/>
+        </p:nvPicPr>
+        <p:blipFill>
+          <a:blip r:embed="rId13"/>
+          <a:stretch>
+            <a:fillRect/>
+          </a:stretch>
+        </p:blipFill>
+        <p:spPr>
+          <a:xfrm>
+            <a:off x="150253" y="654655"/>
+            <a:ext cx="620547" cy="714845"/>
+          </a:xfrm>
+          <a:prstGeom prst="rect">
+            <a:avLst/>
+          </a:prstGeom>
+        </p:spPr>
+      </p:pic>
+      <p:pic>
+        <p:nvPicPr>
+          <p:cNvPr id="19" name="图片 18"/>
+          <p:cNvPicPr>
+            <a:picLocks noChangeAspect="1"/>
+          </p:cNvPicPr>
+          <p:nvPr/>
+        </p:nvPicPr>
+        <p:blipFill>
+          <a:blip r:embed="rId14"/>
+          <a:stretch>
+            <a:fillRect/>
+          </a:stretch>
+        </p:blipFill>
+        <p:spPr>
+          <a:xfrm>
+            <a:off x="7160520" y="833957"/>
+            <a:ext cx="847308" cy="633787"/>
+          </a:xfrm>
+          <a:prstGeom prst="rect">
+            <a:avLst/>
+          </a:prstGeom>
+        </p:spPr>
+      </p:pic>
+      <p:pic>
+        <p:nvPicPr>
+          <p:cNvPr id="20" name="图片 19"/>
+          <p:cNvPicPr>
+            <a:picLocks noChangeAspect="1"/>
+          </p:cNvPicPr>
+          <p:nvPr/>
+        </p:nvPicPr>
+        <p:blipFill>
+          <a:blip r:embed="rId15"/>
+          <a:stretch>
+            <a:fillRect/>
+          </a:stretch>
+        </p:blipFill>
+        <p:spPr>
+          <a:xfrm>
+            <a:off x="2365045" y="2203483"/>
+            <a:ext cx="778416" cy="614163"/>
+          </a:xfrm>
+          <a:prstGeom prst="rect">
+            <a:avLst/>
+          </a:prstGeom>
+        </p:spPr>
+      </p:pic>
+      <p:pic>
+        <p:nvPicPr>
+          <p:cNvPr id="21" name="图片 20"/>
+          <p:cNvPicPr>
+            <a:picLocks noChangeAspect="1"/>
+          </p:cNvPicPr>
+          <p:nvPr/>
+        </p:nvPicPr>
+        <p:blipFill>
+          <a:blip r:embed="rId16"/>
+          <a:stretch>
+            <a:fillRect/>
+          </a:stretch>
+        </p:blipFill>
+        <p:spPr>
+          <a:xfrm>
+            <a:off x="2939460" y="3754934"/>
+            <a:ext cx="739805" cy="643499"/>
+          </a:xfrm>
+          <a:prstGeom prst="rect">
+            <a:avLst/>
+          </a:prstGeom>
+        </p:spPr>
+      </p:pic>
+      <p:pic>
+        <p:nvPicPr>
+          <p:cNvPr id="22" name="图片 21"/>
+          <p:cNvPicPr>
+            <a:picLocks noChangeAspect="1"/>
+          </p:cNvPicPr>
+          <p:nvPr/>
+        </p:nvPicPr>
+        <p:blipFill>
+          <a:blip r:embed="rId17"/>
+          <a:stretch>
+            <a:fillRect/>
+          </a:stretch>
+        </p:blipFill>
+        <p:spPr>
+          <a:xfrm>
+            <a:off x="4270141" y="3663331"/>
+            <a:ext cx="755090" cy="737026"/>
+          </a:xfrm>
+          <a:prstGeom prst="rect">
+            <a:avLst/>
+          </a:prstGeom>
+        </p:spPr>
+      </p:pic>
+      <p:pic>
+        <p:nvPicPr>
+          <p:cNvPr id="23" name="图片 22"/>
+          <p:cNvPicPr>
+            <a:picLocks noChangeAspect="1"/>
+          </p:cNvPicPr>
+          <p:nvPr/>
+        </p:nvPicPr>
+        <p:blipFill>
+          <a:blip r:embed="rId18"/>
+          <a:stretch>
+            <a:fillRect/>
+          </a:stretch>
+        </p:blipFill>
+        <p:spPr>
+          <a:xfrm>
+            <a:off x="5607530" y="3663331"/>
+            <a:ext cx="683741" cy="735102"/>
+          </a:xfrm>
+          <a:prstGeom prst="rect">
+            <a:avLst/>
+          </a:prstGeom>
+        </p:spPr>
+      </p:pic>
+      <p:pic>
+        <p:nvPicPr>
+          <p:cNvPr id="24" name="图片 23"/>
+          <p:cNvPicPr>
+            <a:picLocks noChangeAspect="1"/>
+          </p:cNvPicPr>
+          <p:nvPr/>
+        </p:nvPicPr>
+        <p:blipFill>
+          <a:blip r:embed="rId19"/>
+          <a:stretch>
+            <a:fillRect/>
+          </a:stretch>
+        </p:blipFill>
+        <p:spPr>
+          <a:xfrm>
+            <a:off x="7159326" y="1782193"/>
+            <a:ext cx="848502" cy="570422"/>
+          </a:xfrm>
+          <a:prstGeom prst="rect">
+            <a:avLst/>
+          </a:prstGeom>
+        </p:spPr>
+      </p:pic>
+      <p:pic>
+        <p:nvPicPr>
+          <p:cNvPr id="25" name="图片 24"/>
+          <p:cNvPicPr>
+            <a:picLocks noChangeAspect="1"/>
+          </p:cNvPicPr>
+          <p:nvPr/>
+        </p:nvPicPr>
+        <p:blipFill>
+          <a:blip r:embed="rId20"/>
+          <a:stretch>
+            <a:fillRect/>
+          </a:stretch>
+        </p:blipFill>
+        <p:spPr>
+          <a:xfrm>
+            <a:off x="7235638" y="2609172"/>
+            <a:ext cx="695878" cy="817836"/>
+          </a:xfrm>
+          <a:prstGeom prst="rect">
+            <a:avLst/>
+          </a:prstGeom>
+        </p:spPr>
+      </p:pic>
+      <p:sp>
+        <p:nvSpPr>
+          <p:cNvPr id="26" name="文本框 25"/>
+          <p:cNvSpPr txBox="1"/>
+          <p:nvPr/>
+        </p:nvSpPr>
+        <p:spPr>
+          <a:xfrm>
+            <a:off x="4209104" y="1467744"/>
+            <a:ext cx="877163" cy="369332"/>
+          </a:xfrm>
+          <a:prstGeom prst="rect">
+            <a:avLst/>
+          </a:prstGeom>
+          <a:noFill/>
+        </p:spPr>
+        <p:txBody>
+          <a:bodyPr wrap="none" rtlCol="0">
+            <a:spAutoFit/>
+          </a:bodyPr>
+          <a:lstStyle/>
+          <a:p>
+            <a:r>
+              <a:rPr lang="zh-CN" altLang="en-US" dirty="0" smtClean="0"/>
+              <a:t>服务器</a:t>
+            </a:r>
+            <a:endParaRPr lang="zh-CN" altLang="en-US" dirty="0"/>
+          </a:p>
+        </p:txBody>
+      </p:sp>
+      <p:sp>
+        <p:nvSpPr>
+          <p:cNvPr id="27" name="文本框 26"/>
+          <p:cNvSpPr txBox="1"/>
+          <p:nvPr/>
+        </p:nvSpPr>
+        <p:spPr>
+          <a:xfrm>
+            <a:off x="4222308" y="2729651"/>
+            <a:ext cx="877163" cy="369332"/>
+          </a:xfrm>
+          <a:prstGeom prst="rect">
+            <a:avLst/>
+          </a:prstGeom>
+          <a:noFill/>
+        </p:spPr>
+        <p:txBody>
+          <a:bodyPr wrap="none" rtlCol="0">
+            <a:spAutoFit/>
+          </a:bodyPr>
+          <a:lstStyle/>
+          <a:p>
+            <a:r>
+              <a:rPr lang="zh-CN" altLang="en-US" dirty="0" smtClean="0"/>
+              <a:t>交换机</a:t>
+            </a:r>
+            <a:endParaRPr lang="zh-CN" altLang="en-US" dirty="0"/>
+          </a:p>
+        </p:txBody>
+      </p:sp>
+      <p:sp>
+        <p:nvSpPr>
+          <p:cNvPr id="28" name="文本框 27"/>
+          <p:cNvSpPr txBox="1"/>
+          <p:nvPr/>
+        </p:nvSpPr>
+        <p:spPr>
+          <a:xfrm>
+            <a:off x="4373548" y="4398433"/>
+            <a:ext cx="585417" cy="369332"/>
+          </a:xfrm>
+          <a:prstGeom prst="rect">
+            <a:avLst/>
+          </a:prstGeom>
+          <a:noFill/>
+        </p:spPr>
+        <p:txBody>
+          <a:bodyPr wrap="none" rtlCol="0">
+            <a:spAutoFit/>
+          </a:bodyPr>
+          <a:lstStyle/>
+          <a:p>
+            <a:pPr algn="ctr"/>
+            <a:r>
+              <a:rPr lang="en-US" altLang="zh-CN" dirty="0" smtClean="0"/>
+              <a:t>GPS</a:t>
+            </a:r>
+            <a:endParaRPr lang="zh-CN" altLang="en-US" dirty="0"/>
+          </a:p>
+        </p:txBody>
+      </p:sp>
+      <p:sp>
+        <p:nvSpPr>
+          <p:cNvPr id="29" name="文本框 28"/>
+          <p:cNvSpPr txBox="1"/>
+          <p:nvPr/>
+        </p:nvSpPr>
+        <p:spPr>
+          <a:xfrm>
+            <a:off x="2755366" y="4398433"/>
+            <a:ext cx="1107996" cy="369332"/>
+          </a:xfrm>
+          <a:prstGeom prst="rect">
+            <a:avLst/>
+          </a:prstGeom>
+          <a:noFill/>
+        </p:spPr>
+        <p:txBody>
+          <a:bodyPr wrap="none" rtlCol="0">
+            <a:spAutoFit/>
+          </a:bodyPr>
+          <a:lstStyle/>
+          <a:p>
+            <a:pPr algn="ctr"/>
+            <a:r>
+              <a:rPr lang="zh-CN" altLang="en-US" dirty="0"/>
+              <a:t>激光雷达</a:t>
+            </a:r>
+          </a:p>
+        </p:txBody>
+      </p:sp>
+      <p:sp>
+        <p:nvSpPr>
+          <p:cNvPr id="30" name="文本框 29"/>
+          <p:cNvSpPr txBox="1"/>
+          <p:nvPr/>
+        </p:nvSpPr>
+        <p:spPr>
+          <a:xfrm>
+            <a:off x="5510820" y="4398433"/>
+            <a:ext cx="877163" cy="369332"/>
+          </a:xfrm>
+          <a:prstGeom prst="rect">
+            <a:avLst/>
+          </a:prstGeom>
+          <a:noFill/>
+        </p:spPr>
+        <p:txBody>
+          <a:bodyPr wrap="none" rtlCol="0">
+            <a:spAutoFit/>
+          </a:bodyPr>
+          <a:lstStyle/>
+          <a:p>
+            <a:pPr algn="ctr"/>
+            <a:r>
+              <a:rPr lang="zh-CN" altLang="en-US" dirty="0" smtClean="0"/>
+              <a:t>摄像头</a:t>
+            </a:r>
+            <a:endParaRPr lang="zh-CN" altLang="en-US" dirty="0"/>
+          </a:p>
+        </p:txBody>
+      </p:sp>
+      <p:sp>
+        <p:nvSpPr>
+          <p:cNvPr id="31" name="文本框 30"/>
+          <p:cNvSpPr txBox="1"/>
+          <p:nvPr/>
+        </p:nvSpPr>
+        <p:spPr>
+          <a:xfrm>
+            <a:off x="2315673" y="2758335"/>
+            <a:ext cx="877163" cy="369332"/>
+          </a:xfrm>
+          <a:prstGeom prst="rect">
+            <a:avLst/>
+          </a:prstGeom>
+          <a:noFill/>
+        </p:spPr>
+        <p:txBody>
+          <a:bodyPr wrap="none" rtlCol="0">
+            <a:spAutoFit/>
+          </a:bodyPr>
+          <a:lstStyle/>
+          <a:p>
+            <a:pPr algn="ctr"/>
+            <a:r>
+              <a:rPr lang="zh-CN" altLang="en-US" dirty="0" smtClean="0"/>
+              <a:t>底盘车</a:t>
+            </a:r>
+            <a:endParaRPr lang="zh-CN" altLang="en-US" dirty="0"/>
+          </a:p>
+        </p:txBody>
+      </p:sp>
+      <p:sp>
+        <p:nvSpPr>
+          <p:cNvPr id="32" name="文本框 31"/>
+          <p:cNvSpPr txBox="1"/>
+          <p:nvPr/>
+        </p:nvSpPr>
+        <p:spPr>
+          <a:xfrm>
+            <a:off x="7260411" y="1398880"/>
+            <a:ext cx="646331" cy="369332"/>
+          </a:xfrm>
+          <a:prstGeom prst="rect">
+            <a:avLst/>
+          </a:prstGeom>
+          <a:noFill/>
+        </p:spPr>
+        <p:txBody>
+          <a:bodyPr wrap="none" rtlCol="0">
+            <a:spAutoFit/>
+          </a:bodyPr>
+          <a:lstStyle/>
+          <a:p>
+            <a:pPr algn="ctr"/>
+            <a:r>
+              <a:rPr lang="zh-CN" altLang="en-US" dirty="0"/>
+              <a:t>电脑</a:t>
+            </a:r>
+          </a:p>
+        </p:txBody>
+      </p:sp>
+      <p:sp>
+        <p:nvSpPr>
+          <p:cNvPr id="33" name="文本框 32"/>
+          <p:cNvSpPr txBox="1"/>
+          <p:nvPr/>
+        </p:nvSpPr>
+        <p:spPr>
+          <a:xfrm>
+            <a:off x="7235639" y="2284402"/>
+            <a:ext cx="646331" cy="369332"/>
+          </a:xfrm>
+          <a:prstGeom prst="rect">
+            <a:avLst/>
+          </a:prstGeom>
+          <a:noFill/>
+        </p:spPr>
+        <p:txBody>
+          <a:bodyPr wrap="none" rtlCol="0">
+            <a:spAutoFit/>
+          </a:bodyPr>
+          <a:lstStyle/>
+          <a:p>
+            <a:pPr algn="ctr"/>
+            <a:r>
+              <a:rPr lang="zh-CN" altLang="en-US" dirty="0" smtClean="0"/>
+              <a:t>平板</a:t>
+            </a:r>
+            <a:endParaRPr lang="zh-CN" altLang="en-US" dirty="0"/>
+          </a:p>
+        </p:txBody>
+      </p:sp>
+      <p:sp>
+        <p:nvSpPr>
+          <p:cNvPr id="34" name="文本框 33"/>
+          <p:cNvSpPr txBox="1"/>
+          <p:nvPr/>
+        </p:nvSpPr>
+        <p:spPr>
+          <a:xfrm>
+            <a:off x="7260412" y="3391211"/>
+            <a:ext cx="646331" cy="369332"/>
+          </a:xfrm>
+          <a:prstGeom prst="rect">
+            <a:avLst/>
+          </a:prstGeom>
+          <a:noFill/>
+        </p:spPr>
+        <p:txBody>
+          <a:bodyPr wrap="none" rtlCol="0">
+            <a:spAutoFit/>
+          </a:bodyPr>
+          <a:lstStyle/>
+          <a:p>
+            <a:pPr algn="ctr"/>
+            <a:r>
+              <a:rPr lang="zh-CN" altLang="en-US" dirty="0"/>
+              <a:t>手机</a:t>
+            </a:r>
+          </a:p>
+        </p:txBody>
+      </p:sp>
+      <p:sp>
+        <p:nvSpPr>
+          <p:cNvPr id="39" name="任意多边形 38"/>
+          <p:cNvSpPr/>
+          <p:nvPr/>
+        </p:nvSpPr>
+        <p:spPr>
+          <a:xfrm>
+            <a:off x="3305908" y="3376246"/>
+            <a:ext cx="2655277" cy="307731"/>
+          </a:xfrm>
+          <a:custGeom>
+            <a:avLst/>
+            <a:gdLst>
+              <a:gd name="connsiteX0" fmla="*/ 2655277 w 2655277"/>
+              <a:gd name="connsiteY0" fmla="*/ 254977 h 307731"/>
+              <a:gd name="connsiteX1" fmla="*/ 2655277 w 2655277"/>
+              <a:gd name="connsiteY1" fmla="*/ 0 h 307731"/>
+              <a:gd name="connsiteX2" fmla="*/ 0 w 2655277"/>
+              <a:gd name="connsiteY2" fmla="*/ 0 h 307731"/>
+              <a:gd name="connsiteX3" fmla="*/ 0 w 2655277"/>
+              <a:gd name="connsiteY3" fmla="*/ 307731 h 307731"/>
+            </a:gdLst>
+            <a:ahLst/>
+            <a:cxnLst>
+              <a:cxn ang="0">
+                <a:pos x="connsiteX0" y="connsiteY0"/>
+              </a:cxn>
+              <a:cxn ang="0">
+                <a:pos x="connsiteX1" y="connsiteY1"/>
+              </a:cxn>
+              <a:cxn ang="0">
+                <a:pos x="connsiteX2" y="connsiteY2"/>
+              </a:cxn>
+              <a:cxn ang="0">
+                <a:pos x="connsiteX3" y="connsiteY3"/>
+              </a:cxn>
+            </a:cxnLst>
+            <a:rect l="l" t="t" r="r" b="b"/>
+            <a:pathLst>
+              <a:path w="2655277" h="307731">
+                <a:moveTo>
+                  <a:pt x="2655277" y="254977"/>
+                </a:moveTo>
+                <a:lnTo>
+                  <a:pt x="2655277" y="0"/>
+                </a:lnTo>
+                <a:lnTo>
+                  <a:pt x="0" y="0"/>
+                </a:lnTo>
+                <a:lnTo>
+                  <a:pt x="0" y="307731"/>
+                </a:lnTo>
+              </a:path>
+            </a:pathLst>
+          </a:custGeom>
+          <a:noFill/>
+          <a:ln w="25400">
+            <a:solidFill>
+              <a:schemeClr val="tx1">
+                <a:lumMod val="65000"/>
+                <a:lumOff val="35000"/>
+              </a:schemeClr>
+            </a:solidFill>
+          </a:ln>
+        </p:spPr>
+        <p:style>
+          <a:lnRef idx="2">
+            <a:schemeClr val="accent1">
+              <a:shade val="50000"/>
+            </a:schemeClr>
+          </a:lnRef>
+          <a:fillRef idx="1">
+            <a:schemeClr val="accent1"/>
+          </a:fillRef>
+          <a:effectRef idx="0">
+            <a:schemeClr val="accent1"/>
+          </a:effectRef>
+          <a:fontRef idx="minor">
+            <a:schemeClr val="lt1"/>
+          </a:fontRef>
+        </p:style>
+        <p:txBody>
+          <a:bodyPr rtlCol="0" anchor="ctr"/>
+          <a:lstStyle/>
+          <a:p>
+            <a:pPr algn="ctr"/>
+            <a:endParaRPr lang="zh-CN" altLang="en-US"/>
+          </a:p>
+        </p:txBody>
+      </p:sp>
+      <p:cxnSp>
+        <p:nvCxnSpPr>
+          <p:cNvPr id="41" name="直接箭头连接符 40"/>
+          <p:cNvCxnSpPr>
+            <a:stCxn id="22" idx="0"/>
+          </p:cNvCxnSpPr>
+          <p:nvPr/>
+        </p:nvCxnSpPr>
+        <p:spPr>
+          <a:xfrm flipH="1" flipV="1">
+            <a:off x="4647685" y="3018090"/>
+            <a:ext cx="1" cy="645241"/>
+          </a:xfrm>
+          <a:prstGeom prst="straightConnector1">
+            <a:avLst/>
+          </a:prstGeom>
+          <a:ln w="25400">
+            <a:solidFill>
+              <a:schemeClr val="tx1">
+                <a:lumMod val="65000"/>
+                <a:lumOff val="35000"/>
+              </a:schemeClr>
+            </a:solidFill>
+            <a:tailEnd type="triangle"/>
+          </a:ln>
+        </p:spPr>
+        <p:style>
+          <a:lnRef idx="1">
+            <a:schemeClr val="accent1"/>
+          </a:lnRef>
+          <a:fillRef idx="0">
+            <a:schemeClr val="accent1"/>
+          </a:fillRef>
+          <a:effectRef idx="0">
+            <a:schemeClr val="accent1"/>
+          </a:effectRef>
+          <a:fontRef idx="minor">
+            <a:schemeClr val="tx1"/>
+          </a:fontRef>
+        </p:style>
+      </p:cxnSp>
+      <p:cxnSp>
+        <p:nvCxnSpPr>
+          <p:cNvPr id="43" name="直接箭头连接符 42"/>
+          <p:cNvCxnSpPr>
+            <a:stCxn id="16" idx="1"/>
+          </p:cNvCxnSpPr>
+          <p:nvPr/>
+        </p:nvCxnSpPr>
+        <p:spPr>
+          <a:xfrm flipH="1" flipV="1">
+            <a:off x="3192836" y="2468029"/>
+            <a:ext cx="1041970" cy="1"/>
+          </a:xfrm>
+          <a:prstGeom prst="straightConnector1">
+            <a:avLst/>
+          </a:prstGeom>
+          <a:ln w="25400">
+            <a:solidFill>
+              <a:schemeClr val="tx1">
+                <a:lumMod val="65000"/>
+                <a:lumOff val="35000"/>
+              </a:schemeClr>
+            </a:solidFill>
+            <a:headEnd type="triangle"/>
+            <a:tailEnd type="triangle"/>
+          </a:ln>
+        </p:spPr>
+        <p:style>
+          <a:lnRef idx="1">
+            <a:schemeClr val="accent1"/>
+          </a:lnRef>
+          <a:fillRef idx="0">
+            <a:schemeClr val="accent1"/>
+          </a:fillRef>
+          <a:effectRef idx="0">
+            <a:schemeClr val="accent1"/>
+          </a:effectRef>
+          <a:fontRef idx="minor">
+            <a:schemeClr val="tx1"/>
+          </a:fontRef>
+        </p:style>
+      </p:cxnSp>
+      <p:cxnSp>
+        <p:nvCxnSpPr>
+          <p:cNvPr id="45" name="直接箭头连接符 44"/>
+          <p:cNvCxnSpPr>
+            <a:stCxn id="26" idx="2"/>
+            <a:endCxn id="16" idx="0"/>
+          </p:cNvCxnSpPr>
+          <p:nvPr/>
+        </p:nvCxnSpPr>
+        <p:spPr>
+          <a:xfrm>
+            <a:off x="4647686" y="1837076"/>
+            <a:ext cx="1" cy="281337"/>
+          </a:xfrm>
+          <a:prstGeom prst="straightConnector1">
+            <a:avLst/>
+          </a:prstGeom>
+          <a:ln w="25400">
+            <a:solidFill>
+              <a:schemeClr val="tx1">
+                <a:lumMod val="65000"/>
+                <a:lumOff val="35000"/>
+              </a:schemeClr>
+            </a:solidFill>
+            <a:headEnd type="triangle"/>
+            <a:tailEnd type="triangle"/>
+          </a:ln>
+        </p:spPr>
+        <p:style>
+          <a:lnRef idx="1">
+            <a:schemeClr val="accent1"/>
+          </a:lnRef>
+          <a:fillRef idx="0">
+            <a:schemeClr val="accent1"/>
+          </a:fillRef>
+          <a:effectRef idx="0">
+            <a:schemeClr val="accent1"/>
+          </a:effectRef>
+          <a:fontRef idx="minor">
+            <a:schemeClr val="tx1"/>
+          </a:fontRef>
+        </p:style>
+      </p:cxnSp>
+      <p:sp>
+        <p:nvSpPr>
+          <p:cNvPr id="47" name="任意多边形 46"/>
+          <p:cNvSpPr/>
+          <p:nvPr/>
+        </p:nvSpPr>
+        <p:spPr>
+          <a:xfrm>
+            <a:off x="6797964" y="1089891"/>
+            <a:ext cx="387927" cy="1911927"/>
+          </a:xfrm>
+          <a:custGeom>
+            <a:avLst/>
+            <a:gdLst>
+              <a:gd name="connsiteX0" fmla="*/ 350981 w 387927"/>
+              <a:gd name="connsiteY0" fmla="*/ 0 h 1911927"/>
+              <a:gd name="connsiteX1" fmla="*/ 0 w 387927"/>
+              <a:gd name="connsiteY1" fmla="*/ 0 h 1911927"/>
+              <a:gd name="connsiteX2" fmla="*/ 0 w 387927"/>
+              <a:gd name="connsiteY2" fmla="*/ 1911927 h 1911927"/>
+              <a:gd name="connsiteX3" fmla="*/ 387927 w 387927"/>
+              <a:gd name="connsiteY3" fmla="*/ 1911927 h 1911927"/>
+              <a:gd name="connsiteX4" fmla="*/ 0 w 387927"/>
+              <a:gd name="connsiteY4" fmla="*/ 1911927 h 1911927"/>
+              <a:gd name="connsiteX5" fmla="*/ 0 w 387927"/>
+              <a:gd name="connsiteY5" fmla="*/ 979054 h 1911927"/>
+              <a:gd name="connsiteX6" fmla="*/ 323272 w 387927"/>
+              <a:gd name="connsiteY6" fmla="*/ 979054 h 1911927"/>
+            </a:gdLst>
+            <a:ahLst/>
+            <a:cxnLst>
+              <a:cxn ang="0">
+                <a:pos x="connsiteX0" y="connsiteY0"/>
+              </a:cxn>
+              <a:cxn ang="0">
+                <a:pos x="connsiteX1" y="connsiteY1"/>
+              </a:cxn>
+              <a:cxn ang="0">
+                <a:pos x="connsiteX2" y="connsiteY2"/>
+              </a:cxn>
+              <a:cxn ang="0">
+                <a:pos x="connsiteX3" y="connsiteY3"/>
+              </a:cxn>
+              <a:cxn ang="0">
+                <a:pos x="connsiteX4" y="connsiteY4"/>
+              </a:cxn>
+              <a:cxn ang="0">
+                <a:pos x="connsiteX5" y="connsiteY5"/>
+              </a:cxn>
+              <a:cxn ang="0">
+                <a:pos x="connsiteX6" y="connsiteY6"/>
+              </a:cxn>
+            </a:cxnLst>
+            <a:rect l="l" t="t" r="r" b="b"/>
+            <a:pathLst>
+              <a:path w="387927" h="1911927">
+                <a:moveTo>
+                  <a:pt x="350981" y="0"/>
+                </a:moveTo>
+                <a:lnTo>
+                  <a:pt x="0" y="0"/>
+                </a:lnTo>
+                <a:lnTo>
+                  <a:pt x="0" y="1911927"/>
+                </a:lnTo>
+                <a:lnTo>
+                  <a:pt x="387927" y="1911927"/>
+                </a:lnTo>
+                <a:lnTo>
+                  <a:pt x="0" y="1911927"/>
+                </a:lnTo>
+                <a:lnTo>
+                  <a:pt x="0" y="979054"/>
+                </a:lnTo>
+                <a:lnTo>
+                  <a:pt x="323272" y="979054"/>
+                </a:lnTo>
+              </a:path>
+            </a:pathLst>
+          </a:custGeom>
+          <a:noFill/>
+          <a:ln w="25400">
+            <a:solidFill>
+              <a:schemeClr val="tx1">
+                <a:lumMod val="65000"/>
+                <a:lumOff val="35000"/>
+              </a:schemeClr>
+            </a:solidFill>
+            <a:headEnd type="triangle"/>
+            <a:tailEnd type="triangle"/>
+          </a:ln>
+        </p:spPr>
+        <p:style>
+          <a:lnRef idx="2">
+            <a:schemeClr val="accent1">
+              <a:shade val="50000"/>
+            </a:schemeClr>
+          </a:lnRef>
+          <a:fillRef idx="1">
+            <a:schemeClr val="accent1"/>
+          </a:fillRef>
+          <a:effectRef idx="0">
+            <a:schemeClr val="accent1"/>
+          </a:effectRef>
+          <a:fontRef idx="minor">
+            <a:schemeClr val="lt1"/>
+          </a:fontRef>
+        </p:style>
+        <p:txBody>
+          <a:bodyPr rtlCol="0" anchor="ctr"/>
+          <a:lstStyle/>
+          <a:p>
+            <a:pPr algn="ctr"/>
+            <a:endParaRPr lang="zh-CN" altLang="en-US"/>
+          </a:p>
+        </p:txBody>
+      </p:sp>
+      <p:cxnSp>
+        <p:nvCxnSpPr>
+          <p:cNvPr id="49" name="直接箭头连接符 48"/>
+          <p:cNvCxnSpPr>
+            <a:stCxn id="47" idx="1"/>
+          </p:cNvCxnSpPr>
+          <p:nvPr/>
+        </p:nvCxnSpPr>
+        <p:spPr>
+          <a:xfrm flipH="1">
+            <a:off x="5181600" y="1089891"/>
+            <a:ext cx="1616364" cy="0"/>
+          </a:xfrm>
+          <a:prstGeom prst="straightConnector1">
+            <a:avLst/>
+          </a:prstGeom>
+          <a:ln w="25400">
+            <a:solidFill>
+              <a:schemeClr val="tx1">
+                <a:lumMod val="65000"/>
+                <a:lumOff val="35000"/>
+              </a:schemeClr>
+            </a:solidFill>
+            <a:tailEnd type="triangle"/>
+          </a:ln>
+        </p:spPr>
+        <p:style>
+          <a:lnRef idx="1">
+            <a:schemeClr val="accent1"/>
+          </a:lnRef>
+          <a:fillRef idx="0">
+            <a:schemeClr val="accent1"/>
+          </a:fillRef>
+          <a:effectRef idx="0">
+            <a:schemeClr val="accent1"/>
+          </a:effectRef>
+          <a:fontRef idx="minor">
+            <a:schemeClr val="tx1"/>
+          </a:fontRef>
+        </p:style>
+      </p:cxnSp>
+      <p:cxnSp>
+        <p:nvCxnSpPr>
+          <p:cNvPr id="53" name="直接箭头连接符 52"/>
+          <p:cNvCxnSpPr>
+            <a:stCxn id="47" idx="2"/>
+          </p:cNvCxnSpPr>
+          <p:nvPr/>
+        </p:nvCxnSpPr>
+        <p:spPr>
+          <a:xfrm>
+            <a:off x="6797964" y="3001818"/>
+            <a:ext cx="462447" cy="0"/>
+          </a:xfrm>
+          <a:prstGeom prst="straightConnector1">
+            <a:avLst/>
+          </a:prstGeom>
+          <a:ln w="25400">
+            <a:solidFill>
+              <a:schemeClr val="tx1">
+                <a:lumMod val="65000"/>
+                <a:lumOff val="35000"/>
+              </a:schemeClr>
+            </a:solidFill>
+            <a:tailEnd type="triangle"/>
+          </a:ln>
+        </p:spPr>
+        <p:style>
+          <a:lnRef idx="1">
+            <a:schemeClr val="accent1"/>
+          </a:lnRef>
+          <a:fillRef idx="0">
+            <a:schemeClr val="accent1"/>
+          </a:fillRef>
+          <a:effectRef idx="0">
+            <a:schemeClr val="accent1"/>
+          </a:effectRef>
+          <a:fontRef idx="minor">
+            <a:schemeClr val="tx1"/>
+          </a:fontRef>
+        </p:style>
+      </p:cxnSp>
+    </p:spTree>
+    <p:extLst>
+      <p:ext uri="{BB962C8B-B14F-4D97-AF65-F5344CB8AC3E}">
+        <p14:creationId xmlns:p14="http://schemas.microsoft.com/office/powerpoint/2010/main" val="2071330193"/>
+      </p:ext>
+    </p:extLst>
+  </p:cSld>
+  <p:clrMapOvr>
+    <a:masterClrMapping/>
+  </p:clrMapOvr>
+</p:sld>
+</file>
+
 <file path=ppt/theme/theme1.xml><?xml version="1.0" encoding="utf-8"?>
 <a:theme xmlns:a="http://schemas.openxmlformats.org/drawingml/2006/main" name="Office 主题​​">
   <a:themeElements>
